--- a/Chap/DB/Presentations/DBRelationalModel.pptx
+++ b/Chap/DB/Presentations/DBRelationalModel.pptx
@@ -292,7 +292,7 @@
           <a:p>
             <a:fld id="{E15B7D8E-2A20-4C0E-991C-872DBB7459A8}" type="datetimeFigureOut">
               <a:rPr lang="da-DK" smtClean="0"/>
-              <a:t>04-09-2018</a:t>
+              <a:t>27-09-2018</a:t>
             </a:fld>
             <a:endParaRPr lang="da-DK"/>
           </a:p>
@@ -462,7 +462,7 @@
           <a:p>
             <a:fld id="{E15B7D8E-2A20-4C0E-991C-872DBB7459A8}" type="datetimeFigureOut">
               <a:rPr lang="da-DK" smtClean="0"/>
-              <a:t>04-09-2018</a:t>
+              <a:t>27-09-2018</a:t>
             </a:fld>
             <a:endParaRPr lang="da-DK"/>
           </a:p>
@@ -642,7 +642,7 @@
           <a:p>
             <a:fld id="{E15B7D8E-2A20-4C0E-991C-872DBB7459A8}" type="datetimeFigureOut">
               <a:rPr lang="da-DK" smtClean="0"/>
-              <a:t>04-09-2018</a:t>
+              <a:t>27-09-2018</a:t>
             </a:fld>
             <a:endParaRPr lang="da-DK"/>
           </a:p>
@@ -812,7 +812,7 @@
           <a:p>
             <a:fld id="{E15B7D8E-2A20-4C0E-991C-872DBB7459A8}" type="datetimeFigureOut">
               <a:rPr lang="da-DK" smtClean="0"/>
-              <a:t>04-09-2018</a:t>
+              <a:t>27-09-2018</a:t>
             </a:fld>
             <a:endParaRPr lang="da-DK"/>
           </a:p>
@@ -1058,7 +1058,7 @@
           <a:p>
             <a:fld id="{E15B7D8E-2A20-4C0E-991C-872DBB7459A8}" type="datetimeFigureOut">
               <a:rPr lang="da-DK" smtClean="0"/>
-              <a:t>04-09-2018</a:t>
+              <a:t>27-09-2018</a:t>
             </a:fld>
             <a:endParaRPr lang="da-DK"/>
           </a:p>
@@ -1290,7 +1290,7 @@
           <a:p>
             <a:fld id="{E15B7D8E-2A20-4C0E-991C-872DBB7459A8}" type="datetimeFigureOut">
               <a:rPr lang="da-DK" smtClean="0"/>
-              <a:t>04-09-2018</a:t>
+              <a:t>27-09-2018</a:t>
             </a:fld>
             <a:endParaRPr lang="da-DK"/>
           </a:p>
@@ -1657,7 +1657,7 @@
           <a:p>
             <a:fld id="{E15B7D8E-2A20-4C0E-991C-872DBB7459A8}" type="datetimeFigureOut">
               <a:rPr lang="da-DK" smtClean="0"/>
-              <a:t>04-09-2018</a:t>
+              <a:t>27-09-2018</a:t>
             </a:fld>
             <a:endParaRPr lang="da-DK"/>
           </a:p>
@@ -1775,7 +1775,7 @@
           <a:p>
             <a:fld id="{E15B7D8E-2A20-4C0E-991C-872DBB7459A8}" type="datetimeFigureOut">
               <a:rPr lang="da-DK" smtClean="0"/>
-              <a:t>04-09-2018</a:t>
+              <a:t>27-09-2018</a:t>
             </a:fld>
             <a:endParaRPr lang="da-DK"/>
           </a:p>
@@ -1870,7 +1870,7 @@
           <a:p>
             <a:fld id="{E15B7D8E-2A20-4C0E-991C-872DBB7459A8}" type="datetimeFigureOut">
               <a:rPr lang="da-DK" smtClean="0"/>
-              <a:t>04-09-2018</a:t>
+              <a:t>27-09-2018</a:t>
             </a:fld>
             <a:endParaRPr lang="da-DK"/>
           </a:p>
@@ -2147,7 +2147,7 @@
           <a:p>
             <a:fld id="{E15B7D8E-2A20-4C0E-991C-872DBB7459A8}" type="datetimeFigureOut">
               <a:rPr lang="da-DK" smtClean="0"/>
-              <a:t>04-09-2018</a:t>
+              <a:t>27-09-2018</a:t>
             </a:fld>
             <a:endParaRPr lang="da-DK"/>
           </a:p>
@@ -2400,7 +2400,7 @@
           <a:p>
             <a:fld id="{E15B7D8E-2A20-4C0E-991C-872DBB7459A8}" type="datetimeFigureOut">
               <a:rPr lang="da-DK" smtClean="0"/>
-              <a:t>04-09-2018</a:t>
+              <a:t>27-09-2018</a:t>
             </a:fld>
             <a:endParaRPr lang="da-DK"/>
           </a:p>
@@ -2613,7 +2613,7 @@
           <a:p>
             <a:fld id="{E15B7D8E-2A20-4C0E-991C-872DBB7459A8}" type="datetimeFigureOut">
               <a:rPr lang="da-DK" smtClean="0"/>
-              <a:t>04-09-2018</a:t>
+              <a:t>27-09-2018</a:t>
             </a:fld>
             <a:endParaRPr lang="da-DK"/>
           </a:p>
@@ -4943,13 +4943,13 @@
   <p:clrMapOvr>
     <a:masterClrMapping/>
   </p:clrMapOvr>
-  <mc:AlternateContent xmlns:mc="http://schemas.openxmlformats.org/markup-compatibility/2006">
-    <mc:Choice xmlns:p14="http://schemas.microsoft.com/office/powerpoint/2010/main" Requires="p14">
+  <mc:AlternateContent xmlns:mc="http://schemas.openxmlformats.org/markup-compatibility/2006" xmlns:p14="http://schemas.microsoft.com/office/powerpoint/2010/main">
+    <mc:Choice Requires="p14">
       <p:transition spd="med" p14:dur="700">
         <p:fade/>
       </p:transition>
     </mc:Choice>
-    <mc:Fallback>
+    <mc:Fallback xmlns="">
       <p:transition spd="med">
         <p:fade/>
       </p:transition>
@@ -14027,13 +14027,13 @@
   <p:clrMapOvr>
     <a:masterClrMapping/>
   </p:clrMapOvr>
-  <mc:AlternateContent xmlns:mc="http://schemas.openxmlformats.org/markup-compatibility/2006">
-    <mc:Choice xmlns:p14="http://schemas.microsoft.com/office/powerpoint/2010/main" Requires="p14">
+  <mc:AlternateContent xmlns:mc="http://schemas.openxmlformats.org/markup-compatibility/2006" xmlns:p14="http://schemas.microsoft.com/office/powerpoint/2010/main">
+    <mc:Choice Requires="p14">
       <p:transition spd="med" p14:dur="700">
         <p:fade/>
       </p:transition>
     </mc:Choice>
-    <mc:Fallback>
+    <mc:Fallback xmlns="">
       <p:transition spd="med">
         <p:fade/>
       </p:transition>
@@ -15293,13 +15293,13 @@
   <p:clrMapOvr>
     <a:masterClrMapping/>
   </p:clrMapOvr>
-  <mc:AlternateContent xmlns:mc="http://schemas.openxmlformats.org/markup-compatibility/2006">
-    <mc:Choice xmlns:p14="http://schemas.microsoft.com/office/powerpoint/2010/main" Requires="p14">
+  <mc:AlternateContent xmlns:mc="http://schemas.openxmlformats.org/markup-compatibility/2006" xmlns:p14="http://schemas.microsoft.com/office/powerpoint/2010/main">
+    <mc:Choice Requires="p14">
       <p:transition spd="med" p14:dur="700">
         <p:fade/>
       </p:transition>
     </mc:Choice>
-    <mc:Fallback>
+    <mc:Fallback xmlns="">
       <p:transition spd="med">
         <p:fade/>
       </p:transition>
@@ -16650,13 +16650,13 @@
   <p:clrMapOvr>
     <a:masterClrMapping/>
   </p:clrMapOvr>
-  <mc:AlternateContent xmlns:mc="http://schemas.openxmlformats.org/markup-compatibility/2006">
-    <mc:Choice xmlns:p14="http://schemas.microsoft.com/office/powerpoint/2010/main" Requires="p14">
+  <mc:AlternateContent xmlns:mc="http://schemas.openxmlformats.org/markup-compatibility/2006" xmlns:p14="http://schemas.microsoft.com/office/powerpoint/2010/main">
+    <mc:Choice Requires="p14">
       <p:transition spd="med" p14:dur="700">
         <p:fade/>
       </p:transition>
     </mc:Choice>
-    <mc:Fallback>
+    <mc:Fallback xmlns="">
       <p:transition spd="med">
         <p:fade/>
       </p:transition>
@@ -17986,13 +17986,13 @@
   <p:clrMapOvr>
     <a:masterClrMapping/>
   </p:clrMapOvr>
-  <mc:AlternateContent xmlns:mc="http://schemas.openxmlformats.org/markup-compatibility/2006">
-    <mc:Choice xmlns:p14="http://schemas.microsoft.com/office/powerpoint/2010/main" Requires="p14">
+  <mc:AlternateContent xmlns:mc="http://schemas.openxmlformats.org/markup-compatibility/2006" xmlns:p14="http://schemas.microsoft.com/office/powerpoint/2010/main">
+    <mc:Choice Requires="p14">
       <p:transition spd="med" p14:dur="700">
         <p:fade/>
       </p:transition>
     </mc:Choice>
-    <mc:Fallback>
+    <mc:Fallback xmlns="">
       <p:transition spd="med">
         <p:fade/>
       </p:transition>
@@ -19457,13 +19457,13 @@
   <p:clrMapOvr>
     <a:masterClrMapping/>
   </p:clrMapOvr>
-  <mc:AlternateContent xmlns:mc="http://schemas.openxmlformats.org/markup-compatibility/2006">
-    <mc:Choice xmlns:p14="http://schemas.microsoft.com/office/powerpoint/2010/main" Requires="p14">
+  <mc:AlternateContent xmlns:mc="http://schemas.openxmlformats.org/markup-compatibility/2006" xmlns:p14="http://schemas.microsoft.com/office/powerpoint/2010/main">
+    <mc:Choice Requires="p14">
       <p:transition spd="med" p14:dur="700">
         <p:fade/>
       </p:transition>
     </mc:Choice>
-    <mc:Fallback>
+    <mc:Fallback xmlns="">
       <p:transition spd="med">
         <p:fade/>
       </p:transition>
@@ -21798,13 +21798,13 @@
   <p:clrMapOvr>
     <a:masterClrMapping/>
   </p:clrMapOvr>
-  <mc:AlternateContent xmlns:mc="http://schemas.openxmlformats.org/markup-compatibility/2006">
-    <mc:Choice xmlns:p14="http://schemas.microsoft.com/office/powerpoint/2010/main" Requires="p14">
+  <mc:AlternateContent xmlns:mc="http://schemas.openxmlformats.org/markup-compatibility/2006" xmlns:p14="http://schemas.microsoft.com/office/powerpoint/2010/main">
+    <mc:Choice Requires="p14">
       <p:transition spd="med" p14:dur="700">
         <p:fade/>
       </p:transition>
     </mc:Choice>
-    <mc:Fallback>
+    <mc:Fallback xmlns="">
       <p:transition spd="med">
         <p:fade/>
       </p:transition>
@@ -22412,13 +22412,13 @@
   <p:clrMapOvr>
     <a:masterClrMapping/>
   </p:clrMapOvr>
-  <mc:AlternateContent xmlns:mc="http://schemas.openxmlformats.org/markup-compatibility/2006">
-    <mc:Choice xmlns:p14="http://schemas.microsoft.com/office/powerpoint/2010/main" Requires="p14">
+  <mc:AlternateContent xmlns:mc="http://schemas.openxmlformats.org/markup-compatibility/2006" xmlns:p14="http://schemas.microsoft.com/office/powerpoint/2010/main">
+    <mc:Choice Requires="p14">
       <p:transition spd="med" p14:dur="700">
         <p:fade/>
       </p:transition>
     </mc:Choice>
-    <mc:Fallback>
+    <mc:Fallback xmlns="">
       <p:transition spd="med">
         <p:fade/>
       </p:transition>
@@ -25274,11 +25274,7 @@
             </a:r>
             <a:r>
               <a:rPr lang="da-DK" b="1" smtClean="0"/>
-              <a:t>Model - </a:t>
-            </a:r>
-            <a:r>
-              <a:rPr lang="da-DK" b="1" smtClean="0"/>
-              <a:t>Integrity</a:t>
+              <a:t>Model - Integrity</a:t>
             </a:r>
             <a:endParaRPr lang="da-DK" b="1"/>
           </a:p>
@@ -25307,14 +25303,30 @@
             <a:pPr lvl="0"/>
             <a:r>
               <a:rPr lang="da-DK" sz="3200" smtClean="0"/>
-              <a:t>For a given record, we may allow certain values to be optional</a:t>
+              <a:t>For a given </a:t>
+            </a:r>
+            <a:r>
+              <a:rPr lang="da-DK" sz="3200" u="sng" smtClean="0"/>
+              <a:t>record</a:t>
+            </a:r>
+            <a:r>
+              <a:rPr lang="da-DK" sz="3200" smtClean="0"/>
+              <a:t>, we may allow certain values to be optional</a:t>
             </a:r>
           </a:p>
           <a:p>
             <a:pPr lvl="0"/>
             <a:r>
               <a:rPr lang="da-DK" sz="3200" smtClean="0"/>
-              <a:t>However, the column holding an optional value will always be present…</a:t>
+              <a:t>However, the </a:t>
+            </a:r>
+            <a:r>
+              <a:rPr lang="da-DK" sz="3200" u="sng" smtClean="0"/>
+              <a:t>column</a:t>
+            </a:r>
+            <a:r>
+              <a:rPr lang="da-DK" sz="3200" smtClean="0"/>
+              <a:t> holding an optional value will always be present…</a:t>
             </a:r>
           </a:p>
           <a:p>
@@ -25331,14 +25343,13 @@
               <a:t>We put a </a:t>
             </a:r>
             <a:r>
-              <a:rPr lang="da-DK" sz="3200" b="1" smtClean="0"/>
+              <a:rPr lang="da-DK" sz="3200" b="1" i="1" smtClean="0"/>
               <a:t>null</a:t>
             </a:r>
             <a:r>
               <a:rPr lang="da-DK" sz="3200" smtClean="0"/>
               <a:t> value</a:t>
             </a:r>
-            <a:endParaRPr lang="da-DK" sz="3200" smtClean="0"/>
           </a:p>
         </p:txBody>
       </p:sp>
@@ -25402,11 +25413,7 @@
             </a:r>
             <a:r>
               <a:rPr lang="da-DK" b="1" smtClean="0"/>
-              <a:t>Model - </a:t>
-            </a:r>
-            <a:r>
-              <a:rPr lang="da-DK" b="1" smtClean="0"/>
-              <a:t>Integrity</a:t>
+              <a:t>Model - Integrity</a:t>
             </a:r>
             <a:endParaRPr lang="da-DK" b="1"/>
           </a:p>
@@ -25438,7 +25445,7 @@
               <a:t>A </a:t>
             </a:r>
             <a:r>
-              <a:rPr lang="da-DK" sz="3200" b="1" smtClean="0"/>
+              <a:rPr lang="da-DK" sz="3200" b="1" i="1" smtClean="0"/>
               <a:t>null</a:t>
             </a:r>
             <a:r>
@@ -25453,7 +25460,7 @@
               <a:t>A </a:t>
             </a:r>
             <a:r>
-              <a:rPr lang="da-DK" sz="3200" b="1" smtClean="0"/>
+              <a:rPr lang="da-DK" sz="3200" b="1" i="1" smtClean="0"/>
               <a:t>null</a:t>
             </a:r>
             <a:r>
@@ -25475,7 +25482,7 @@
               <a:t>A </a:t>
             </a:r>
             <a:r>
-              <a:rPr lang="da-DK" sz="3200" b="1" smtClean="0"/>
+              <a:rPr lang="da-DK" sz="3200" b="1" i="1" smtClean="0"/>
               <a:t>null</a:t>
             </a:r>
             <a:r>
@@ -25492,11 +25499,7 @@
             </a:r>
             <a:r>
               <a:rPr lang="da-DK" sz="3200"/>
-              <a:t> equal </a:t>
-            </a:r>
-            <a:r>
-              <a:rPr lang="da-DK" sz="3200"/>
-              <a:t>to </a:t>
+              <a:t> equal to </a:t>
             </a:r>
             <a:r>
               <a:rPr lang="da-DK" sz="3200" smtClean="0"/>
@@ -25517,7 +25520,7 @@
               <a:t>Which colums can be allowed to have the value </a:t>
             </a:r>
             <a:r>
-              <a:rPr lang="da-DK" sz="3200" b="1" smtClean="0"/>
+              <a:rPr lang="da-DK" sz="3200" b="1" i="1" smtClean="0"/>
               <a:t>null</a:t>
             </a:r>
             <a:r>
@@ -25594,11 +25597,6 @@
               </a:rPr>
               <a:t>Fun fact – nullable types in C#</a:t>
             </a:r>
-            <a:endParaRPr lang="da-DK" b="1">
-              <a:solidFill>
-                <a:srgbClr val="00B050"/>
-              </a:solidFill>
-            </a:endParaRPr>
           </a:p>
         </p:txBody>
       </p:sp>
@@ -25726,13 +25724,7 @@
               <a:rPr lang="da-DK" sz="4800" b="1">
                 <a:latin typeface="Consolas" panose="020B0609020204030204" pitchFamily="49" charset="0"/>
               </a:rPr>
-              <a:t>a </a:t>
-            </a:r>
-            <a:r>
-              <a:rPr lang="da-DK" sz="4800" b="1">
-                <a:latin typeface="Consolas" panose="020B0609020204030204" pitchFamily="49" charset="0"/>
-              </a:rPr>
-              <a:t>= </a:t>
+              <a:t>a = </a:t>
             </a:r>
             <a:r>
               <a:rPr lang="da-DK" sz="4800" b="1">
@@ -25903,11 +25895,7 @@
             </a:r>
             <a:r>
               <a:rPr lang="da-DK" b="1" smtClean="0"/>
-              <a:t>Model - </a:t>
-            </a:r>
-            <a:r>
-              <a:rPr lang="da-DK" b="1" smtClean="0"/>
-              <a:t>Integrity</a:t>
+              <a:t>Model - Integrity</a:t>
             </a:r>
             <a:endParaRPr lang="da-DK" b="1"/>
           </a:p>
@@ -25938,7 +25926,7 @@
               <a:t>Which columns can be allowed to have the value </a:t>
             </a:r>
             <a:r>
-              <a:rPr lang="da-DK" sz="3200" b="1" smtClean="0"/>
+              <a:rPr lang="da-DK" sz="3200" b="1" i="1" smtClean="0"/>
               <a:t>null</a:t>
             </a:r>
             <a:r>
@@ -25969,7 +25957,7 @@
               <a:t> be set to </a:t>
             </a:r>
             <a:r>
-              <a:rPr lang="da-DK" sz="2800" b="1" smtClean="0"/>
+              <a:rPr lang="da-DK" sz="2800" b="1" i="1" smtClean="0"/>
               <a:t>null</a:t>
             </a:r>
           </a:p>
@@ -25980,7 +25968,7 @@
               <a:t>All other columns may be set to </a:t>
             </a:r>
             <a:r>
-              <a:rPr lang="da-DK" sz="2800" b="1" smtClean="0"/>
+              <a:rPr lang="da-DK" sz="2800" b="1" i="1" smtClean="0"/>
               <a:t>null</a:t>
             </a:r>
             <a:r>
@@ -26065,11 +26053,7 @@
             </a:r>
             <a:r>
               <a:rPr lang="da-DK" b="1" smtClean="0"/>
-              <a:t>Model - </a:t>
-            </a:r>
-            <a:r>
-              <a:rPr lang="da-DK" b="1" smtClean="0"/>
-              <a:t>Integrity</a:t>
+              <a:t>Model - Integrity</a:t>
             </a:r>
             <a:endParaRPr lang="da-DK" b="1"/>
           </a:p>
@@ -26129,7 +26113,6 @@
               <a:rPr lang="da-DK" sz="3200" smtClean="0"/>
               <a:t> table</a:t>
             </a:r>
-            <a:endParaRPr lang="da-DK" sz="3200" smtClean="0"/>
           </a:p>
         </p:txBody>
       </p:sp>
@@ -27756,11 +27739,7 @@
             </a:r>
             <a:r>
               <a:rPr lang="da-DK" b="1" smtClean="0"/>
-              <a:t>Model - </a:t>
-            </a:r>
-            <a:r>
-              <a:rPr lang="da-DK" b="1" smtClean="0"/>
-              <a:t>Integrity</a:t>
+              <a:t>Model - Integrity</a:t>
             </a:r>
             <a:endParaRPr lang="da-DK" b="1"/>
           </a:p>
@@ -27818,7 +27797,6 @@
               <a:rPr lang="da-DK" sz="3200" smtClean="0"/>
               <a:t> table </a:t>
             </a:r>
-            <a:endParaRPr lang="da-DK" sz="3200" smtClean="0"/>
           </a:p>
         </p:txBody>
       </p:sp>
@@ -28787,11 +28765,7 @@
             </a:r>
             <a:r>
               <a:rPr lang="da-DK" b="1" smtClean="0"/>
-              <a:t>Model - </a:t>
-            </a:r>
-            <a:r>
-              <a:rPr lang="da-DK" b="1" smtClean="0"/>
-              <a:t>Integrity</a:t>
+              <a:t>Model - Integrity</a:t>
             </a:r>
             <a:endParaRPr lang="da-DK" b="1"/>
           </a:p>
@@ -28861,7 +28835,6 @@
               <a:rPr lang="da-DK" sz="3200" b="1" smtClean="0"/>
               <a:t>Restaurant</a:t>
             </a:r>
-            <a:endParaRPr lang="da-DK" sz="3200" b="1" smtClean="0"/>
           </a:p>
         </p:txBody>
       </p:sp>
@@ -30570,11 +30543,7 @@
             </a:r>
             <a:r>
               <a:rPr lang="da-DK" b="1" smtClean="0"/>
-              <a:t>Model - </a:t>
-            </a:r>
-            <a:r>
-              <a:rPr lang="da-DK" b="1" smtClean="0"/>
-              <a:t>Integrity</a:t>
+              <a:t>Model - Integrity</a:t>
             </a:r>
             <a:endParaRPr lang="da-DK" b="1"/>
           </a:p>
@@ -30644,7 +30613,6 @@
               <a:rPr lang="da-DK" sz="3200" b="1" smtClean="0"/>
               <a:t>Restaurant</a:t>
             </a:r>
-            <a:endParaRPr lang="da-DK" sz="3200" b="1" smtClean="0"/>
           </a:p>
         </p:txBody>
       </p:sp>
@@ -32221,13 +32189,13 @@
   <p:clrMapOvr>
     <a:masterClrMapping/>
   </p:clrMapOvr>
-  <mc:AlternateContent xmlns:mc="http://schemas.openxmlformats.org/markup-compatibility/2006">
-    <mc:Choice xmlns:p14="http://schemas.microsoft.com/office/powerpoint/2010/main" Requires="p14">
+  <mc:AlternateContent xmlns:mc="http://schemas.openxmlformats.org/markup-compatibility/2006" xmlns:p14="http://schemas.microsoft.com/office/powerpoint/2010/main">
+    <mc:Choice Requires="p14">
       <p:transition spd="med" p14:dur="700">
         <p:fade/>
       </p:transition>
     </mc:Choice>
-    <mc:Fallback>
+    <mc:Fallback xmlns="">
       <p:transition spd="med">
         <p:fade/>
       </p:transition>
@@ -32283,11 +32251,7 @@
             </a:r>
             <a:r>
               <a:rPr lang="da-DK" b="1" smtClean="0"/>
-              <a:t>Model - </a:t>
-            </a:r>
-            <a:r>
-              <a:rPr lang="da-DK" b="1" smtClean="0"/>
-              <a:t>Integrity</a:t>
+              <a:t>Model - Integrity</a:t>
             </a:r>
             <a:endParaRPr lang="da-DK" b="1"/>
           </a:p>
@@ -33102,11 +33066,7 @@
             </a:r>
             <a:r>
               <a:rPr lang="da-DK" b="1" smtClean="0"/>
-              <a:t>Model - </a:t>
-            </a:r>
-            <a:r>
-              <a:rPr lang="da-DK" b="1" smtClean="0"/>
-              <a:t>Integrity</a:t>
+              <a:t>Model - Integrity</a:t>
             </a:r>
             <a:endParaRPr lang="da-DK" b="1"/>
           </a:p>
@@ -33144,7 +33104,6 @@
               <a:rPr lang="da-DK" sz="3200" smtClean="0"/>
               <a:t> = 3…</a:t>
             </a:r>
-            <a:endParaRPr lang="da-DK" sz="3200" smtClean="0"/>
           </a:p>
         </p:txBody>
       </p:sp>
@@ -33660,13 +33619,13 @@
   <p:clrMapOvr>
     <a:masterClrMapping/>
   </p:clrMapOvr>
-  <mc:AlternateContent xmlns:mc="http://schemas.openxmlformats.org/markup-compatibility/2006">
-    <mc:Choice xmlns:p14="http://schemas.microsoft.com/office/powerpoint/2010/main" Requires="p14">
+  <mc:AlternateContent xmlns:mc="http://schemas.openxmlformats.org/markup-compatibility/2006" xmlns:p14="http://schemas.microsoft.com/office/powerpoint/2010/main">
+    <mc:Choice Requires="p14">
       <p:transition spd="med" p14:dur="700">
         <p:fade/>
       </p:transition>
     </mc:Choice>
-    <mc:Fallback>
+    <mc:Fallback xmlns="">
       <p:transition spd="med">
         <p:fade/>
       </p:transition>
@@ -33722,11 +33681,7 @@
             </a:r>
             <a:r>
               <a:rPr lang="da-DK" b="1" smtClean="0"/>
-              <a:t>Model - </a:t>
-            </a:r>
-            <a:r>
-              <a:rPr lang="da-DK" b="1" smtClean="0"/>
-              <a:t>Integrity</a:t>
+              <a:t>Model - Integrity</a:t>
             </a:r>
             <a:endParaRPr lang="da-DK" b="1"/>
           </a:p>
@@ -33803,7 +33758,7 @@
               <a:t>to </a:t>
             </a:r>
             <a:r>
-              <a:rPr lang="da-DK" sz="2800" b="1" smtClean="0"/>
+              <a:rPr lang="da-DK" sz="2800" b="1" i="1" smtClean="0"/>
               <a:t>null</a:t>
             </a:r>
             <a:r>
@@ -33825,7 +33780,7 @@
           <p:nvPr>
             <p:extLst>
               <p:ext uri="{D42A27DB-BD31-4B8C-83A1-F6EECF244321}">
-                <p14:modId xmlns:p14="http://schemas.microsoft.com/office/powerpoint/2010/main" val="1794012170"/>
+                <p14:modId xmlns:p14="http://schemas.microsoft.com/office/powerpoint/2010/main" val="3170843496"/>
               </p:ext>
             </p:extLst>
           </p:nvPr>
@@ -35324,10 +35279,10 @@
                     <a:lstStyle/>
                     <a:p>
                       <a:r>
-                        <a:rPr lang="da-DK" sz="1400" b="1" smtClean="0"/>
+                        <a:rPr lang="da-DK" sz="1400" b="1" i="1" smtClean="0"/>
                         <a:t>null</a:t>
                       </a:r>
-                      <a:endParaRPr lang="da-DK" sz="1400" b="1"/>
+                      <a:endParaRPr lang="da-DK" sz="1400" b="1" i="1"/>
                     </a:p>
                   </a:txBody>
                   <a:tcPr>
@@ -35480,11 +35435,7 @@
             </a:r>
             <a:r>
               <a:rPr lang="da-DK" b="1" smtClean="0"/>
-              <a:t>Model - </a:t>
-            </a:r>
-            <a:r>
-              <a:rPr lang="da-DK" b="1" smtClean="0"/>
-              <a:t>Integrity</a:t>
+              <a:t>Model - Integrity</a:t>
             </a:r>
             <a:endParaRPr lang="da-DK" b="1"/>
           </a:p>
@@ -35515,7 +35466,7 @@
               <a:t>Making sure that foreign key values match primary key values (or are set to </a:t>
             </a:r>
             <a:r>
-              <a:rPr lang="da-DK" sz="3200" b="1" smtClean="0"/>
+              <a:rPr lang="da-DK" sz="3200" b="1" i="1" smtClean="0"/>
               <a:t>null</a:t>
             </a:r>
             <a:r>
@@ -35533,7 +35484,7 @@
               <a:t>Whether or not </a:t>
             </a:r>
             <a:r>
-              <a:rPr lang="da-DK" sz="3200" b="1" smtClean="0"/>
+              <a:rPr lang="da-DK" sz="3200" b="1" i="1" smtClean="0"/>
               <a:t>null</a:t>
             </a:r>
             <a:r>
@@ -35547,10 +35498,10 @@
               <a:t>When defining a table, you can specify if a column may be set to </a:t>
             </a:r>
             <a:r>
-              <a:rPr lang="da-DK" sz="3200" b="1" smtClean="0"/>
+              <a:rPr lang="da-DK" sz="3200" b="1" i="1" smtClean="0"/>
               <a:t>null</a:t>
             </a:r>
-            <a:endParaRPr lang="da-DK" sz="3200" b="1"/>
+            <a:endParaRPr lang="da-DK" sz="3200" b="1" i="1"/>
           </a:p>
           <a:p>
             <a:pPr lvl="0"/>
@@ -35618,11 +35569,7 @@
             </a:r>
             <a:r>
               <a:rPr lang="da-DK" b="1" smtClean="0"/>
-              <a:t>Model - </a:t>
-            </a:r>
-            <a:r>
-              <a:rPr lang="da-DK" b="1" smtClean="0"/>
-              <a:t>Integrity</a:t>
+              <a:t>Model - Integrity</a:t>
             </a:r>
             <a:endParaRPr lang="da-DK" b="1"/>
           </a:p>
@@ -36196,7 +36143,6 @@
               <a:rPr lang="da-DK" b="1"/>
               <a:t>Where do we implement business rules?</a:t>
             </a:r>
-            <a:endParaRPr lang="da-DK" b="1"/>
           </a:p>
         </p:txBody>
       </p:sp>
@@ -36841,11 +36787,7 @@
             </a:r>
             <a:r>
               <a:rPr lang="da-DK" sz="3200" smtClean="0"/>
-              <a:t>: Rules enforcing that data is </a:t>
-            </a:r>
-            <a:r>
-              <a:rPr lang="da-DK" sz="3200" smtClean="0"/>
-              <a:t>meaningful</a:t>
+              <a:t>: Rules enforcing that data is meaningful</a:t>
             </a:r>
           </a:p>
           <a:p>
@@ -36854,7 +36796,6 @@
               <a:rPr lang="da-DK" sz="3200" smtClean="0"/>
               <a:t>We will mainly focus on the structural part</a:t>
             </a:r>
-            <a:endParaRPr lang="da-DK" sz="3200" smtClean="0"/>
           </a:p>
         </p:txBody>
       </p:sp>
@@ -36918,11 +36859,7 @@
             </a:r>
             <a:r>
               <a:rPr lang="da-DK" b="1" smtClean="0"/>
-              <a:t>Model - </a:t>
-            </a:r>
-            <a:r>
-              <a:rPr lang="da-DK" b="1" smtClean="0"/>
-              <a:t>Recommendations</a:t>
+              <a:t>Model - Recommendations</a:t>
             </a:r>
             <a:endParaRPr lang="da-DK" b="1"/>
           </a:p>
@@ -36958,7 +36895,7 @@
             </a:r>
             <a:r>
               <a:rPr lang="da-DK" sz="3200" b="1" smtClean="0"/>
-              <a:t>…Id</a:t>
+              <a:t>…id</a:t>
             </a:r>
             <a:r>
               <a:rPr lang="da-DK" sz="3200" smtClean="0"/>
@@ -37051,11 +36988,7 @@
             </a:r>
             <a:r>
               <a:rPr lang="da-DK" b="1" smtClean="0"/>
-              <a:t>Model </a:t>
-            </a:r>
-            <a:r>
-              <a:rPr lang="da-DK" b="1" smtClean="0"/>
-              <a:t>– Structural</a:t>
+              <a:t>Model – Structural</a:t>
             </a:r>
             <a:endParaRPr lang="da-DK" b="1"/>
           </a:p>
@@ -38194,13 +38127,13 @@
   <p:clrMapOvr>
     <a:masterClrMapping/>
   </p:clrMapOvr>
-  <mc:AlternateContent xmlns:mc="http://schemas.openxmlformats.org/markup-compatibility/2006">
-    <mc:Choice xmlns:p14="http://schemas.microsoft.com/office/powerpoint/2010/main" Requires="p14">
+  <mc:AlternateContent xmlns:mc="http://schemas.openxmlformats.org/markup-compatibility/2006" xmlns:p14="http://schemas.microsoft.com/office/powerpoint/2010/main">
+    <mc:Choice Requires="p14">
       <p:transition spd="med" p14:dur="700">
         <p:fade/>
       </p:transition>
     </mc:Choice>
-    <mc:Fallback>
+    <mc:Fallback xmlns="">
       <p:transition spd="med">
         <p:fade/>
       </p:transition>
@@ -39255,13 +39188,13 @@
   <p:clrMapOvr>
     <a:masterClrMapping/>
   </p:clrMapOvr>
-  <mc:AlternateContent xmlns:mc="http://schemas.openxmlformats.org/markup-compatibility/2006">
-    <mc:Choice xmlns:p14="http://schemas.microsoft.com/office/powerpoint/2010/main" Requires="p14">
+  <mc:AlternateContent xmlns:mc="http://schemas.openxmlformats.org/markup-compatibility/2006" xmlns:p14="http://schemas.microsoft.com/office/powerpoint/2010/main">
+    <mc:Choice Requires="p14">
       <p:transition spd="med" p14:dur="700">
         <p:fade/>
       </p:transition>
     </mc:Choice>
-    <mc:Fallback>
+    <mc:Fallback xmlns="">
       <p:transition spd="med">
         <p:fade/>
       </p:transition>
@@ -40316,13 +40249,13 @@
   <p:clrMapOvr>
     <a:masterClrMapping/>
   </p:clrMapOvr>
-  <mc:AlternateContent xmlns:mc="http://schemas.openxmlformats.org/markup-compatibility/2006">
-    <mc:Choice xmlns:p14="http://schemas.microsoft.com/office/powerpoint/2010/main" Requires="p14">
+  <mc:AlternateContent xmlns:mc="http://schemas.openxmlformats.org/markup-compatibility/2006" xmlns:p14="http://schemas.microsoft.com/office/powerpoint/2010/main">
+    <mc:Choice Requires="p14">
       <p:transition spd="med" p14:dur="700">
         <p:fade/>
       </p:transition>
     </mc:Choice>
-    <mc:Fallback>
+    <mc:Fallback xmlns="">
       <p:transition spd="med">
         <p:fade/>
       </p:transition>

--- a/Chap/DB/Presentations/DBRelationalModel.pptx
+++ b/Chap/DB/Presentations/DBRelationalModel.pptx
@@ -292,7 +292,7 @@
           <a:p>
             <a:fld id="{E15B7D8E-2A20-4C0E-991C-872DBB7459A8}" type="datetimeFigureOut">
               <a:rPr lang="da-DK" smtClean="0"/>
-              <a:t>29-09-2018</a:t>
+              <a:t>04-10-2018</a:t>
             </a:fld>
             <a:endParaRPr lang="da-DK"/>
           </a:p>
@@ -462,7 +462,7 @@
           <a:p>
             <a:fld id="{E15B7D8E-2A20-4C0E-991C-872DBB7459A8}" type="datetimeFigureOut">
               <a:rPr lang="da-DK" smtClean="0"/>
-              <a:t>29-09-2018</a:t>
+              <a:t>04-10-2018</a:t>
             </a:fld>
             <a:endParaRPr lang="da-DK"/>
           </a:p>
@@ -642,7 +642,7 @@
           <a:p>
             <a:fld id="{E15B7D8E-2A20-4C0E-991C-872DBB7459A8}" type="datetimeFigureOut">
               <a:rPr lang="da-DK" smtClean="0"/>
-              <a:t>29-09-2018</a:t>
+              <a:t>04-10-2018</a:t>
             </a:fld>
             <a:endParaRPr lang="da-DK"/>
           </a:p>
@@ -812,7 +812,7 @@
           <a:p>
             <a:fld id="{E15B7D8E-2A20-4C0E-991C-872DBB7459A8}" type="datetimeFigureOut">
               <a:rPr lang="da-DK" smtClean="0"/>
-              <a:t>29-09-2018</a:t>
+              <a:t>04-10-2018</a:t>
             </a:fld>
             <a:endParaRPr lang="da-DK"/>
           </a:p>
@@ -1058,7 +1058,7 @@
           <a:p>
             <a:fld id="{E15B7D8E-2A20-4C0E-991C-872DBB7459A8}" type="datetimeFigureOut">
               <a:rPr lang="da-DK" smtClean="0"/>
-              <a:t>29-09-2018</a:t>
+              <a:t>04-10-2018</a:t>
             </a:fld>
             <a:endParaRPr lang="da-DK"/>
           </a:p>
@@ -1290,7 +1290,7 @@
           <a:p>
             <a:fld id="{E15B7D8E-2A20-4C0E-991C-872DBB7459A8}" type="datetimeFigureOut">
               <a:rPr lang="da-DK" smtClean="0"/>
-              <a:t>29-09-2018</a:t>
+              <a:t>04-10-2018</a:t>
             </a:fld>
             <a:endParaRPr lang="da-DK"/>
           </a:p>
@@ -1657,7 +1657,7 @@
           <a:p>
             <a:fld id="{E15B7D8E-2A20-4C0E-991C-872DBB7459A8}" type="datetimeFigureOut">
               <a:rPr lang="da-DK" smtClean="0"/>
-              <a:t>29-09-2018</a:t>
+              <a:t>04-10-2018</a:t>
             </a:fld>
             <a:endParaRPr lang="da-DK"/>
           </a:p>
@@ -1775,7 +1775,7 @@
           <a:p>
             <a:fld id="{E15B7D8E-2A20-4C0E-991C-872DBB7459A8}" type="datetimeFigureOut">
               <a:rPr lang="da-DK" smtClean="0"/>
-              <a:t>29-09-2018</a:t>
+              <a:t>04-10-2018</a:t>
             </a:fld>
             <a:endParaRPr lang="da-DK"/>
           </a:p>
@@ -1870,7 +1870,7 @@
           <a:p>
             <a:fld id="{E15B7D8E-2A20-4C0E-991C-872DBB7459A8}" type="datetimeFigureOut">
               <a:rPr lang="da-DK" smtClean="0"/>
-              <a:t>29-09-2018</a:t>
+              <a:t>04-10-2018</a:t>
             </a:fld>
             <a:endParaRPr lang="da-DK"/>
           </a:p>
@@ -2147,7 +2147,7 @@
           <a:p>
             <a:fld id="{E15B7D8E-2A20-4C0E-991C-872DBB7459A8}" type="datetimeFigureOut">
               <a:rPr lang="da-DK" smtClean="0"/>
-              <a:t>29-09-2018</a:t>
+              <a:t>04-10-2018</a:t>
             </a:fld>
             <a:endParaRPr lang="da-DK"/>
           </a:p>
@@ -2400,7 +2400,7 @@
           <a:p>
             <a:fld id="{E15B7D8E-2A20-4C0E-991C-872DBB7459A8}" type="datetimeFigureOut">
               <a:rPr lang="da-DK" smtClean="0"/>
-              <a:t>29-09-2018</a:t>
+              <a:t>04-10-2018</a:t>
             </a:fld>
             <a:endParaRPr lang="da-DK"/>
           </a:p>
@@ -2613,7 +2613,7 @@
           <a:p>
             <a:fld id="{E15B7D8E-2A20-4C0E-991C-872DBB7459A8}" type="datetimeFigureOut">
               <a:rPr lang="da-DK" smtClean="0"/>
-              <a:t>29-09-2018</a:t>
+              <a:t>04-10-2018</a:t>
             </a:fld>
             <a:endParaRPr lang="da-DK"/>
           </a:p>
@@ -6102,7 +6102,7 @@
           <p:nvPr>
             <p:extLst>
               <p:ext uri="{D42A27DB-BD31-4B8C-83A1-F6EECF244321}">
-                <p14:modId xmlns:p14="http://schemas.microsoft.com/office/powerpoint/2010/main" val="2498776126"/>
+                <p14:modId xmlns:p14="http://schemas.microsoft.com/office/powerpoint/2010/main" val="535883433"/>
               </p:ext>
             </p:extLst>
           </p:nvPr>
@@ -6405,7 +6405,7 @@
                     <a:p>
                       <a:r>
                         <a:rPr lang="da-DK" sz="1800" b="1" smtClean="0"/>
-                        <a:t>restaurant_name</a:t>
+                        <a:t>city</a:t>
                       </a:r>
                       <a:endParaRPr lang="da-DK" sz="1800" b="1"/>
                     </a:p>
@@ -9510,7 +9510,7 @@
           <p:nvPr>
             <p:extLst>
               <p:ext uri="{D42A27DB-BD31-4B8C-83A1-F6EECF244321}">
-                <p14:modId xmlns:p14="http://schemas.microsoft.com/office/powerpoint/2010/main" val="2516353970"/>
+                <p14:modId xmlns:p14="http://schemas.microsoft.com/office/powerpoint/2010/main" val="608053784"/>
               </p:ext>
             </p:extLst>
           </p:nvPr>
@@ -9813,7 +9813,7 @@
                     <a:p>
                       <a:r>
                         <a:rPr lang="da-DK" sz="1200" b="1" smtClean="0"/>
-                        <a:t>restaurant_name</a:t>
+                        <a:t>city</a:t>
                       </a:r>
                       <a:endParaRPr lang="da-DK" sz="1200" b="1"/>
                     </a:p>
@@ -10990,13 +10990,13 @@
   <p:clrMapOvr>
     <a:masterClrMapping/>
   </p:clrMapOvr>
-  <mc:AlternateContent xmlns:mc="http://schemas.openxmlformats.org/markup-compatibility/2006">
-    <mc:Choice xmlns:p14="http://schemas.microsoft.com/office/powerpoint/2010/main" Requires="p14">
+  <mc:AlternateContent xmlns:mc="http://schemas.openxmlformats.org/markup-compatibility/2006" xmlns:p14="http://schemas.microsoft.com/office/powerpoint/2010/main">
+    <mc:Choice Requires="p14">
       <p:transition spd="med" p14:dur="700">
         <p:fade/>
       </p:transition>
     </mc:Choice>
-    <mc:Fallback>
+    <mc:Fallback xmlns="">
       <p:transition spd="med">
         <p:fade/>
       </p:transition>
@@ -11096,11 +11096,7 @@
             </a:r>
             <a:r>
               <a:rPr lang="da-DK" sz="2800" smtClean="0"/>
-              <a:t> </a:t>
-            </a:r>
-            <a:r>
-              <a:rPr lang="da-DK" sz="2800" smtClean="0"/>
-              <a:t>(</a:t>
+              <a:t> (</a:t>
             </a:r>
             <a:r>
               <a:rPr lang="da-DK" sz="2800" b="1" smtClean="0"/>
@@ -23920,7 +23916,7 @@
           <p:nvPr>
             <p:extLst>
               <p:ext uri="{D42A27DB-BD31-4B8C-83A1-F6EECF244321}">
-                <p14:modId xmlns:p14="http://schemas.microsoft.com/office/powerpoint/2010/main" val="3502762435"/>
+                <p14:modId xmlns:p14="http://schemas.microsoft.com/office/powerpoint/2010/main" val="1955057218"/>
               </p:ext>
             </p:extLst>
           </p:nvPr>
@@ -24228,7 +24224,7 @@
                     <a:p>
                       <a:r>
                         <a:rPr lang="da-DK" sz="1800" b="1" smtClean="0"/>
-                        <a:t>restaurant_name</a:t>
+                        <a:t>city</a:t>
                       </a:r>
                       <a:endParaRPr lang="da-DK" sz="1800" b="1"/>
                     </a:p>
@@ -25655,15 +25651,7 @@
             </a:r>
             <a:r>
               <a:rPr lang="da-DK" sz="3200" smtClean="0"/>
-              <a:t> of the two </a:t>
-            </a:r>
-            <a:r>
-              <a:rPr lang="da-DK" sz="3200" smtClean="0"/>
-              <a:t>columns </a:t>
-            </a:r>
-            <a:r>
-              <a:rPr lang="da-DK" sz="3200" smtClean="0"/>
-              <a:t>which is unique (</a:t>
+              <a:t> of the two columns which is unique (</a:t>
             </a:r>
             <a:r>
               <a:rPr lang="da-DK" sz="3200" i="1" smtClean="0"/>
@@ -26472,11 +26460,7 @@
             <a:pPr lvl="0"/>
             <a:r>
               <a:rPr lang="da-DK" sz="3200" smtClean="0"/>
-              <a:t>The key </a:t>
-            </a:r>
-            <a:r>
-              <a:rPr lang="da-DK" sz="3200" smtClean="0"/>
-              <a:t>(</a:t>
+              <a:t>The key (</a:t>
             </a:r>
             <a:r>
               <a:rPr lang="da-DK" sz="3200" b="1" smtClean="0"/>
@@ -26492,11 +26476,7 @@
             </a:r>
             <a:r>
               <a:rPr lang="da-DK" sz="3200" smtClean="0"/>
-              <a:t>) </a:t>
-            </a:r>
-            <a:r>
-              <a:rPr lang="da-DK" sz="3200" smtClean="0"/>
-              <a:t>is a </a:t>
+              <a:t>) is a </a:t>
             </a:r>
             <a:r>
               <a:rPr lang="da-DK" sz="3200" b="1" smtClean="0"/>
@@ -26530,11 +26510,7 @@
             </a:r>
             <a:r>
               <a:rPr lang="da-DK" sz="3200" smtClean="0"/>
-              <a:t> </a:t>
-            </a:r>
-            <a:r>
-              <a:rPr lang="da-DK" sz="3200" smtClean="0"/>
-              <a:t>and </a:t>
+              <a:t> and </a:t>
             </a:r>
             <a:r>
               <a:rPr lang="da-DK" sz="3200" b="1" smtClean="0"/>
@@ -26542,19 +26518,11 @@
             </a:r>
             <a:r>
               <a:rPr lang="da-DK" sz="3200" smtClean="0"/>
-              <a:t>are – in the context of this table </a:t>
-            </a:r>
-            <a:r>
-              <a:rPr lang="da-DK" sz="3200" smtClean="0"/>
-              <a:t>– </a:t>
+              <a:t>are – in the context of this table – </a:t>
             </a:r>
             <a:r>
               <a:rPr lang="da-DK" sz="3200" b="1" smtClean="0"/>
-              <a:t>foreign </a:t>
-            </a:r>
-            <a:r>
-              <a:rPr lang="da-DK" sz="3200" b="1" smtClean="0"/>
-              <a:t>keys</a:t>
+              <a:t>foreign keys</a:t>
             </a:r>
             <a:r>
               <a:rPr lang="da-DK" sz="3200" smtClean="0"/>
@@ -27828,7 +27796,7 @@
           <p:nvPr>
             <p:extLst>
               <p:ext uri="{D42A27DB-BD31-4B8C-83A1-F6EECF244321}">
-                <p14:modId xmlns:p14="http://schemas.microsoft.com/office/powerpoint/2010/main" val="2891684125"/>
+                <p14:modId xmlns:p14="http://schemas.microsoft.com/office/powerpoint/2010/main" val="3524643876"/>
               </p:ext>
             </p:extLst>
           </p:nvPr>
@@ -28005,7 +27973,7 @@
                     <a:p>
                       <a:r>
                         <a:rPr lang="da-DK" sz="1800" smtClean="0"/>
-                        <a:t>restaurant_name</a:t>
+                        <a:t>city</a:t>
                       </a:r>
                       <a:endParaRPr lang="da-DK" sz="1800"/>
                     </a:p>
@@ -29424,19 +29392,11 @@
             </a:r>
             <a:r>
               <a:rPr lang="da-DK" sz="3200" b="1" smtClean="0"/>
-              <a:t>r</a:t>
-            </a:r>
-            <a:r>
-              <a:rPr lang="da-DK" sz="3200" b="1" smtClean="0"/>
-              <a:t>estaurant_id</a:t>
+              <a:t>restaurant_id</a:t>
             </a:r>
             <a:r>
               <a:rPr lang="da-DK" sz="3200" smtClean="0"/>
-              <a:t> </a:t>
-            </a:r>
-            <a:r>
-              <a:rPr lang="da-DK" sz="3200" smtClean="0"/>
-              <a:t>column to the </a:t>
+              <a:t> column to the </a:t>
             </a:r>
             <a:r>
               <a:rPr lang="da-DK" sz="3200" b="1" smtClean="0"/>
@@ -31452,11 +31412,7 @@
             </a:r>
             <a:r>
               <a:rPr lang="da-DK" sz="3200" b="1" smtClean="0"/>
-              <a:t>primary </a:t>
-            </a:r>
-            <a:r>
-              <a:rPr lang="da-DK" sz="3200" b="1" smtClean="0"/>
-              <a:t>key </a:t>
+              <a:t>primary key </a:t>
             </a:r>
             <a:r>
               <a:rPr lang="da-DK" sz="3200" smtClean="0"/>
@@ -31468,11 +31424,7 @@
             </a:r>
             <a:r>
               <a:rPr lang="da-DK" sz="3200" smtClean="0"/>
-              <a:t>in </a:t>
-            </a:r>
-            <a:r>
-              <a:rPr lang="da-DK" sz="3200" smtClean="0"/>
-              <a:t>the  </a:t>
+              <a:t>in the  </a:t>
             </a:r>
             <a:r>
               <a:rPr lang="da-DK" sz="3200" b="1" smtClean="0"/>
@@ -31494,7 +31446,7 @@
           <p:nvPr>
             <p:extLst>
               <p:ext uri="{D42A27DB-BD31-4B8C-83A1-F6EECF244321}">
-                <p14:modId xmlns:p14="http://schemas.microsoft.com/office/powerpoint/2010/main" val="898852833"/>
+                <p14:modId xmlns:p14="http://schemas.microsoft.com/office/powerpoint/2010/main" val="1646351494"/>
               </p:ext>
             </p:extLst>
           </p:nvPr>
@@ -31802,7 +31754,7 @@
                     <a:p>
                       <a:r>
                         <a:rPr lang="da-DK" sz="1800" b="1" smtClean="0"/>
-                        <a:t>restaurant_name</a:t>
+                        <a:t>city</a:t>
                       </a:r>
                       <a:endParaRPr lang="da-DK" sz="1800" b="1"/>
                     </a:p>
@@ -32681,19 +32633,11 @@
             </a:r>
             <a:r>
               <a:rPr lang="da-DK" sz="3200" b="1" smtClean="0"/>
-              <a:t>r</a:t>
-            </a:r>
-            <a:r>
-              <a:rPr lang="da-DK" sz="3200" b="1" smtClean="0"/>
-              <a:t>estaurant_id</a:t>
+              <a:t>restaurant_id</a:t>
             </a:r>
             <a:r>
               <a:rPr lang="da-DK" sz="3200" smtClean="0"/>
-              <a:t> </a:t>
-            </a:r>
-            <a:r>
-              <a:rPr lang="da-DK" sz="3200" smtClean="0"/>
-              <a:t>in </a:t>
+              <a:t> in </a:t>
             </a:r>
             <a:r>
               <a:rPr lang="da-DK" sz="3200" b="1" smtClean="0"/>
@@ -32709,11 +32653,7 @@
             </a:r>
             <a:r>
               <a:rPr lang="da-DK" sz="3200" smtClean="0"/>
-              <a:t> </a:t>
-            </a:r>
-            <a:r>
-              <a:rPr lang="da-DK" sz="3200" smtClean="0"/>
-              <a:t>in </a:t>
+              <a:t> in </a:t>
             </a:r>
             <a:r>
               <a:rPr lang="da-DK" sz="3200" b="1" smtClean="0"/>
@@ -36871,7 +36811,7 @@
           <p:nvPr>
             <p:extLst>
               <p:ext uri="{D42A27DB-BD31-4B8C-83A1-F6EECF244321}">
-                <p14:modId xmlns:p14="http://schemas.microsoft.com/office/powerpoint/2010/main" val="3478642644"/>
+                <p14:modId xmlns:p14="http://schemas.microsoft.com/office/powerpoint/2010/main" val="2530525613"/>
               </p:ext>
             </p:extLst>
           </p:nvPr>
@@ -37179,7 +37119,7 @@
                     <a:p>
                       <a:r>
                         <a:rPr lang="da-DK" sz="1800" b="1" smtClean="0"/>
-                        <a:t>restaurant_name</a:t>
+                        <a:t>city</a:t>
                       </a:r>
                       <a:endParaRPr lang="da-DK" sz="1800" b="1"/>
                     </a:p>
@@ -37867,11 +37807,7 @@
             </a:r>
             <a:r>
               <a:rPr lang="da-DK" sz="3200" smtClean="0"/>
-              <a:t> </a:t>
-            </a:r>
-            <a:r>
-              <a:rPr lang="da-DK" sz="3200" smtClean="0"/>
-              <a:t>= 3…</a:t>
+              <a:t> = 3…</a:t>
             </a:r>
           </a:p>
         </p:txBody>
@@ -37885,7 +37821,7 @@
           <p:nvPr>
             <p:extLst>
               <p:ext uri="{D42A27DB-BD31-4B8C-83A1-F6EECF244321}">
-                <p14:modId xmlns:p14="http://schemas.microsoft.com/office/powerpoint/2010/main" val="4009252295"/>
+                <p14:modId xmlns:p14="http://schemas.microsoft.com/office/powerpoint/2010/main" val="4158280842"/>
               </p:ext>
             </p:extLst>
           </p:nvPr>
@@ -38193,7 +38129,7 @@
                     <a:p>
                       <a:r>
                         <a:rPr lang="da-DK" sz="1800" b="1" smtClean="0"/>
-                        <a:t>restaurant_name</a:t>
+                        <a:t>city</a:t>
                       </a:r>
                       <a:endParaRPr lang="da-DK" sz="1800" b="1"/>
                     </a:p>
@@ -38691,11 +38627,7 @@
             </a:r>
             <a:r>
               <a:rPr lang="da-DK" sz="3200" smtClean="0"/>
-              <a:t> </a:t>
-            </a:r>
-            <a:r>
-              <a:rPr lang="da-DK" sz="3200" smtClean="0"/>
-              <a:t>= 3, we must</a:t>
+              <a:t> = 3, we must</a:t>
             </a:r>
           </a:p>
           <a:p>
@@ -38706,11 +38638,7 @@
             </a:r>
             <a:r>
               <a:rPr lang="da-DK" sz="2800" b="1" smtClean="0"/>
-              <a:t>r</a:t>
-            </a:r>
-            <a:r>
-              <a:rPr lang="da-DK" sz="2800" b="1" smtClean="0"/>
-              <a:t>estaurant_id </a:t>
+              <a:t>restaurant_id </a:t>
             </a:r>
             <a:r>
               <a:rPr lang="da-DK" sz="2800" smtClean="0"/>
@@ -42205,11 +42133,7 @@
             </a:r>
             <a:r>
               <a:rPr lang="da-DK" sz="3200" smtClean="0"/>
-              <a:t>– define new column which will act as primary key (typically </a:t>
-            </a:r>
-            <a:r>
-              <a:rPr lang="da-DK" sz="3200" smtClean="0"/>
-              <a:t>just named </a:t>
+              <a:t>– define new column which will act as primary key (typically just named </a:t>
             </a:r>
             <a:r>
               <a:rPr lang="da-DK" sz="3200" b="1" smtClean="0"/>
@@ -42227,7 +42151,6 @@
               <a:rPr lang="da-DK" sz="3200" smtClean="0"/>
               <a:t>)</a:t>
             </a:r>
-            <a:endParaRPr lang="da-DK" sz="3200" smtClean="0"/>
           </a:p>
           <a:p>
             <a:r>
@@ -42315,7 +42238,11 @@
             </a:r>
             <a:r>
               <a:rPr lang="da-DK" b="1" smtClean="0"/>
-              <a:t>Model – Structural</a:t>
+              <a:t>Model – </a:t>
+            </a:r>
+            <a:r>
+              <a:rPr lang="da-DK" b="1" smtClean="0"/>
+              <a:t>Structural (definitions)</a:t>
             </a:r>
             <a:endParaRPr lang="da-DK" b="1"/>
           </a:p>
